--- a/My_Task_2_Charles_Breakepoint_Settings.pptx
+++ b/My_Task_2_Charles_Breakepoint_Settings.pptx
@@ -5885,11 +5885,7 @@
             </a:br>
             <a:r>
               <a:rPr lang="ru-RU" dirty="0" smtClean="0"/>
-              <a:t>- </a:t>
-            </a:r>
-            <a:r>
-              <a:rPr lang="ru-RU" dirty="0" smtClean="0"/>
-              <a:t>Подмена </a:t>
+              <a:t>- Подмена </a:t>
             </a:r>
             <a:r>
               <a:rPr lang="en-US" dirty="0" smtClean="0"/>
@@ -6098,6 +6094,42 @@
           </a:extLst>
         </p:spPr>
       </p:pic>
+      <p:cxnSp>
+        <p:nvCxnSpPr>
+          <p:cNvPr id="5" name="Прямая со стрелкой 4"/>
+          <p:cNvCxnSpPr/>
+          <p:nvPr/>
+        </p:nvCxnSpPr>
+        <p:spPr>
+          <a:xfrm flipH="1" flipV="1">
+            <a:off x="2504025" y="3207628"/>
+            <a:ext cx="754273" cy="518854"/>
+          </a:xfrm>
+          <a:prstGeom prst="straightConnector1">
+            <a:avLst/>
+          </a:prstGeom>
+          <a:ln w="28575">
+            <a:solidFill>
+              <a:srgbClr val="FF0000"/>
+            </a:solidFill>
+            <a:tailEnd type="triangle"/>
+          </a:ln>
+        </p:spPr>
+        <p:style>
+          <a:lnRef idx="1">
+            <a:schemeClr val="accent1"/>
+          </a:lnRef>
+          <a:fillRef idx="0">
+            <a:schemeClr val="accent1"/>
+          </a:fillRef>
+          <a:effectRef idx="0">
+            <a:schemeClr val="accent1"/>
+          </a:effectRef>
+          <a:fontRef idx="minor">
+            <a:schemeClr val="tx1"/>
+          </a:fontRef>
+        </p:style>
+      </p:cxnSp>
     </p:spTree>
     <p:extLst>
       <p:ext uri="{BB962C8B-B14F-4D97-AF65-F5344CB8AC3E}">
@@ -6168,7 +6200,7 @@
             </a:r>
             <a:r>
               <a:rPr lang="en-US" b="1" dirty="0" smtClean="0"/>
-              <a:t>Rewrite</a:t>
+              <a:t>Breakpoint</a:t>
             </a:r>
             <a:r>
               <a:rPr lang="en-US" dirty="0"/>
@@ -6222,6 +6254,78 @@
           </a:prstGeom>
         </p:spPr>
       </p:pic>
+      <p:cxnSp>
+        <p:nvCxnSpPr>
+          <p:cNvPr id="5" name="Прямая со стрелкой 4"/>
+          <p:cNvCxnSpPr/>
+          <p:nvPr/>
+        </p:nvCxnSpPr>
+        <p:spPr>
+          <a:xfrm flipH="1" flipV="1">
+            <a:off x="1339368" y="2534686"/>
+            <a:ext cx="754273" cy="518854"/>
+          </a:xfrm>
+          <a:prstGeom prst="straightConnector1">
+            <a:avLst/>
+          </a:prstGeom>
+          <a:ln w="28575">
+            <a:solidFill>
+              <a:srgbClr val="FF0000"/>
+            </a:solidFill>
+            <a:tailEnd type="triangle"/>
+          </a:ln>
+        </p:spPr>
+        <p:style>
+          <a:lnRef idx="1">
+            <a:schemeClr val="accent1"/>
+          </a:lnRef>
+          <a:fillRef idx="0">
+            <a:schemeClr val="accent1"/>
+          </a:fillRef>
+          <a:effectRef idx="0">
+            <a:schemeClr val="accent1"/>
+          </a:effectRef>
+          <a:fontRef idx="minor">
+            <a:schemeClr val="tx1"/>
+          </a:fontRef>
+        </p:style>
+      </p:cxnSp>
+      <p:cxnSp>
+        <p:nvCxnSpPr>
+          <p:cNvPr id="6" name="Прямая со стрелкой 5"/>
+          <p:cNvCxnSpPr/>
+          <p:nvPr/>
+        </p:nvCxnSpPr>
+        <p:spPr>
+          <a:xfrm flipH="1" flipV="1">
+            <a:off x="4560030" y="5488815"/>
+            <a:ext cx="754273" cy="518854"/>
+          </a:xfrm>
+          <a:prstGeom prst="straightConnector1">
+            <a:avLst/>
+          </a:prstGeom>
+          <a:ln w="28575">
+            <a:solidFill>
+              <a:srgbClr val="FF0000"/>
+            </a:solidFill>
+            <a:tailEnd type="triangle"/>
+          </a:ln>
+        </p:spPr>
+        <p:style>
+          <a:lnRef idx="1">
+            <a:schemeClr val="accent1"/>
+          </a:lnRef>
+          <a:fillRef idx="0">
+            <a:schemeClr val="accent1"/>
+          </a:fillRef>
+          <a:effectRef idx="0">
+            <a:schemeClr val="accent1"/>
+          </a:effectRef>
+          <a:fontRef idx="minor">
+            <a:schemeClr val="tx1"/>
+          </a:fontRef>
+        </p:style>
+      </p:cxnSp>
     </p:spTree>
     <p:extLst>
       <p:ext uri="{BB962C8B-B14F-4D97-AF65-F5344CB8AC3E}">
@@ -6377,23 +6481,11 @@
             </a:r>
             <a:r>
               <a:rPr lang="en-US" sz="2200" dirty="0"/>
-              <a:t>- </a:t>
-            </a:r>
-            <a:r>
-              <a:rPr lang="en-US" sz="2200" dirty="0"/>
-              <a:t>endpoint </a:t>
+              <a:t>- endpoint </a:t>
             </a:r>
             <a:r>
               <a:rPr lang="en-US" sz="2200" dirty="0" smtClean="0"/>
-              <a:t>(</a:t>
-            </a:r>
-            <a:r>
-              <a:rPr lang="en-US" sz="2200" dirty="0" smtClean="0"/>
-              <a:t>Postman</a:t>
-            </a:r>
-            <a:r>
-              <a:rPr lang="en-US" sz="2200" dirty="0" smtClean="0"/>
-              <a:t>)</a:t>
+              <a:t>(Postman)</a:t>
             </a:r>
             <a:br>
               <a:rPr lang="en-US" sz="2200" dirty="0" smtClean="0"/>
@@ -6454,6 +6546,78 @@
           </a:prstGeom>
         </p:spPr>
       </p:pic>
+      <p:cxnSp>
+        <p:nvCxnSpPr>
+          <p:cNvPr id="5" name="Прямая со стрелкой 4"/>
+          <p:cNvCxnSpPr/>
+          <p:nvPr/>
+        </p:nvCxnSpPr>
+        <p:spPr>
+          <a:xfrm flipH="1" flipV="1">
+            <a:off x="6200126" y="5953681"/>
+            <a:ext cx="754273" cy="518854"/>
+          </a:xfrm>
+          <a:prstGeom prst="straightConnector1">
+            <a:avLst/>
+          </a:prstGeom>
+          <a:ln w="28575">
+            <a:solidFill>
+              <a:srgbClr val="FF0000"/>
+            </a:solidFill>
+            <a:tailEnd type="triangle"/>
+          </a:ln>
+        </p:spPr>
+        <p:style>
+          <a:lnRef idx="1">
+            <a:schemeClr val="accent1"/>
+          </a:lnRef>
+          <a:fillRef idx="0">
+            <a:schemeClr val="accent1"/>
+          </a:fillRef>
+          <a:effectRef idx="0">
+            <a:schemeClr val="accent1"/>
+          </a:effectRef>
+          <a:fontRef idx="minor">
+            <a:schemeClr val="tx1"/>
+          </a:fontRef>
+        </p:style>
+      </p:cxnSp>
+      <p:cxnSp>
+        <p:nvCxnSpPr>
+          <p:cNvPr id="6" name="Прямая со стрелкой 5"/>
+          <p:cNvCxnSpPr/>
+          <p:nvPr/>
+        </p:nvCxnSpPr>
+        <p:spPr>
+          <a:xfrm flipH="1" flipV="1">
+            <a:off x="1753255" y="5434827"/>
+            <a:ext cx="754273" cy="518854"/>
+          </a:xfrm>
+          <a:prstGeom prst="straightConnector1">
+            <a:avLst/>
+          </a:prstGeom>
+          <a:ln w="28575">
+            <a:solidFill>
+              <a:srgbClr val="FF0000"/>
+            </a:solidFill>
+            <a:tailEnd type="triangle"/>
+          </a:ln>
+        </p:spPr>
+        <p:style>
+          <a:lnRef idx="1">
+            <a:schemeClr val="accent1"/>
+          </a:lnRef>
+          <a:fillRef idx="0">
+            <a:schemeClr val="accent1"/>
+          </a:fillRef>
+          <a:effectRef idx="0">
+            <a:schemeClr val="accent1"/>
+          </a:effectRef>
+          <a:fontRef idx="minor">
+            <a:schemeClr val="tx1"/>
+          </a:fontRef>
+        </p:style>
+      </p:cxnSp>
     </p:spTree>
     <p:extLst>
       <p:ext uri="{BB962C8B-B14F-4D97-AF65-F5344CB8AC3E}">
@@ -6546,7 +6710,19 @@
             </a:br>
             <a:r>
               <a:rPr lang="ru-RU" dirty="0" smtClean="0"/>
-              <a:t>- ушел запрос с </a:t>
+              <a:t>- </a:t>
+            </a:r>
+            <a:r>
+              <a:rPr lang="ru-RU" dirty="0"/>
+              <a:t>У</a:t>
+            </a:r>
+            <a:r>
+              <a:rPr lang="ru-RU" dirty="0" smtClean="0"/>
+              <a:t>шел </a:t>
+            </a:r>
+            <a:r>
+              <a:rPr lang="ru-RU" dirty="0" smtClean="0"/>
+              <a:t>запрос с </a:t>
             </a:r>
             <a:r>
               <a:rPr lang="en-US" dirty="0" smtClean="0"/>
@@ -6589,6 +6765,42 @@
           </a:prstGeom>
         </p:spPr>
       </p:pic>
+      <p:cxnSp>
+        <p:nvCxnSpPr>
+          <p:cNvPr id="4" name="Прямая со стрелкой 3"/>
+          <p:cNvCxnSpPr/>
+          <p:nvPr/>
+        </p:nvCxnSpPr>
+        <p:spPr>
+          <a:xfrm flipH="1" flipV="1">
+            <a:off x="6257877" y="4766921"/>
+            <a:ext cx="754273" cy="518854"/>
+          </a:xfrm>
+          <a:prstGeom prst="straightConnector1">
+            <a:avLst/>
+          </a:prstGeom>
+          <a:ln w="28575">
+            <a:solidFill>
+              <a:srgbClr val="FF0000"/>
+            </a:solidFill>
+            <a:tailEnd type="triangle"/>
+          </a:ln>
+        </p:spPr>
+        <p:style>
+          <a:lnRef idx="1">
+            <a:schemeClr val="accent1"/>
+          </a:lnRef>
+          <a:fillRef idx="0">
+            <a:schemeClr val="accent1"/>
+          </a:fillRef>
+          <a:effectRef idx="0">
+            <a:schemeClr val="accent1"/>
+          </a:effectRef>
+          <a:fontRef idx="minor">
+            <a:schemeClr val="tx1"/>
+          </a:fontRef>
+        </p:style>
+      </p:cxnSp>
     </p:spTree>
     <p:extLst>
       <p:ext uri="{BB962C8B-B14F-4D97-AF65-F5344CB8AC3E}">
@@ -6631,12 +6843,14 @@
         </p:nvSpPr>
         <p:spPr>
           <a:xfrm>
-            <a:off x="677334" y="609600"/>
+            <a:off x="580120" y="311611"/>
             <a:ext cx="8596668" cy="719417"/>
           </a:xfrm>
         </p:spPr>
         <p:txBody>
-          <a:bodyPr/>
+          <a:bodyPr>
+            <a:normAutofit fontScale="90000"/>
+          </a:bodyPr>
           <a:lstStyle/>
           <a:p>
             <a:r>
@@ -6651,6 +6865,24 @@
               <a:rPr lang="en-US" dirty="0" smtClean="0"/>
               <a:t>Charles</a:t>
             </a:r>
+            <a:r>
+              <a:rPr lang="ru-RU" dirty="0" smtClean="0"/>
+              <a:t/>
+            </a:r>
+            <a:br>
+              <a:rPr lang="ru-RU" dirty="0" smtClean="0"/>
+            </a:br>
+            <a:r>
+              <a:rPr lang="ru-RU" dirty="0" smtClean="0"/>
+              <a:t>- Запрос перехвачен</a:t>
+            </a:r>
+            <a:r>
+              <a:rPr lang="ru-RU" dirty="0" smtClean="0"/>
+              <a:t/>
+            </a:r>
+            <a:br>
+              <a:rPr lang="ru-RU" dirty="0" smtClean="0"/>
+            </a:br>
             <a:endParaRPr lang="ru-RU" dirty="0"/>
           </a:p>
         </p:txBody>
@@ -6669,7 +6901,7 @@
         </p:blipFill>
         <p:spPr>
           <a:xfrm>
-            <a:off x="795789" y="1329016"/>
+            <a:off x="776538" y="1560022"/>
             <a:ext cx="8203832" cy="4994781"/>
           </a:xfrm>
           <a:prstGeom prst="rect">
@@ -6677,6 +6909,42 @@
           </a:prstGeom>
         </p:spPr>
       </p:pic>
+      <p:cxnSp>
+        <p:nvCxnSpPr>
+          <p:cNvPr id="5" name="Прямая со стрелкой 4"/>
+          <p:cNvCxnSpPr/>
+          <p:nvPr/>
+        </p:nvCxnSpPr>
+        <p:spPr>
+          <a:xfrm flipH="1" flipV="1">
+            <a:off x="1300866" y="2466484"/>
+            <a:ext cx="754273" cy="518854"/>
+          </a:xfrm>
+          <a:prstGeom prst="straightConnector1">
+            <a:avLst/>
+          </a:prstGeom>
+          <a:ln w="28575">
+            <a:solidFill>
+              <a:srgbClr val="FF0000"/>
+            </a:solidFill>
+            <a:tailEnd type="triangle"/>
+          </a:ln>
+        </p:spPr>
+        <p:style>
+          <a:lnRef idx="1">
+            <a:schemeClr val="accent1"/>
+          </a:lnRef>
+          <a:fillRef idx="0">
+            <a:schemeClr val="accent1"/>
+          </a:fillRef>
+          <a:effectRef idx="0">
+            <a:schemeClr val="accent1"/>
+          </a:effectRef>
+          <a:fontRef idx="minor">
+            <a:schemeClr val="tx1"/>
+          </a:fontRef>
+        </p:style>
+      </p:cxnSp>
     </p:spTree>
     <p:extLst>
       <p:ext uri="{BB962C8B-B14F-4D97-AF65-F5344CB8AC3E}">
@@ -6738,8 +7006,12 @@
               <a:t>Выбираем </a:t>
             </a:r>
             <a:r>
+              <a:rPr lang="en-US" smtClean="0"/>
+              <a:t>Edit </a:t>
+            </a:r>
+            <a:r>
               <a:rPr lang="en-US" dirty="0" smtClean="0"/>
-              <a:t>Add Request</a:t>
+              <a:t>Request</a:t>
             </a:r>
             <a:br>
               <a:rPr lang="en-US" dirty="0" smtClean="0"/>
@@ -6789,6 +7061,78 @@
           </a:prstGeom>
         </p:spPr>
       </p:pic>
+      <p:cxnSp>
+        <p:nvCxnSpPr>
+          <p:cNvPr id="4" name="Прямая со стрелкой 3"/>
+          <p:cNvCxnSpPr/>
+          <p:nvPr/>
+        </p:nvCxnSpPr>
+        <p:spPr>
+          <a:xfrm flipH="1">
+            <a:off x="3197045" y="1688265"/>
+            <a:ext cx="1038071" cy="556837"/>
+          </a:xfrm>
+          <a:prstGeom prst="straightConnector1">
+            <a:avLst/>
+          </a:prstGeom>
+          <a:ln w="28575">
+            <a:solidFill>
+              <a:srgbClr val="FF0000"/>
+            </a:solidFill>
+            <a:tailEnd type="triangle"/>
+          </a:ln>
+        </p:spPr>
+        <p:style>
+          <a:lnRef idx="1">
+            <a:schemeClr val="accent1"/>
+          </a:lnRef>
+          <a:fillRef idx="0">
+            <a:schemeClr val="accent1"/>
+          </a:fillRef>
+          <a:effectRef idx="0">
+            <a:schemeClr val="accent1"/>
+          </a:effectRef>
+          <a:fontRef idx="minor">
+            <a:schemeClr val="tx1"/>
+          </a:fontRef>
+        </p:style>
+      </p:cxnSp>
+      <p:cxnSp>
+        <p:nvCxnSpPr>
+          <p:cNvPr id="6" name="Прямая со стрелкой 5"/>
+          <p:cNvCxnSpPr/>
+          <p:nvPr/>
+        </p:nvCxnSpPr>
+        <p:spPr>
+          <a:xfrm flipH="1">
+            <a:off x="3359217" y="4822257"/>
+            <a:ext cx="875899" cy="724310"/>
+          </a:xfrm>
+          <a:prstGeom prst="straightConnector1">
+            <a:avLst/>
+          </a:prstGeom>
+          <a:ln w="28575">
+            <a:solidFill>
+              <a:srgbClr val="FF0000"/>
+            </a:solidFill>
+            <a:tailEnd type="triangle"/>
+          </a:ln>
+        </p:spPr>
+        <p:style>
+          <a:lnRef idx="1">
+            <a:schemeClr val="accent1"/>
+          </a:lnRef>
+          <a:fillRef idx="0">
+            <a:schemeClr val="accent1"/>
+          </a:fillRef>
+          <a:effectRef idx="0">
+            <a:schemeClr val="accent1"/>
+          </a:effectRef>
+          <a:fontRef idx="minor">
+            <a:schemeClr val="tx1"/>
+          </a:fontRef>
+        </p:style>
+      </p:cxnSp>
     </p:spTree>
     <p:extLst>
       <p:ext uri="{BB962C8B-B14F-4D97-AF65-F5344CB8AC3E}">
@@ -6954,7 +7298,7 @@
             </a:r>
             <a:r>
               <a:rPr lang="ru-RU" sz="2700" dirty="0" smtClean="0"/>
-              <a:t>Наживаем </a:t>
+              <a:t>Нажимаем </a:t>
             </a:r>
             <a:r>
               <a:rPr lang="en-US" sz="2700" b="1" dirty="0" smtClean="0"/>
@@ -6989,7 +7333,7 @@
         </p:blipFill>
         <p:spPr>
           <a:xfrm>
-            <a:off x="677334" y="2015524"/>
+            <a:off x="667709" y="2082901"/>
             <a:ext cx="8312662" cy="4597032"/>
           </a:xfrm>
           <a:prstGeom prst="rect">
@@ -6997,6 +7341,150 @@
           </a:prstGeom>
         </p:spPr>
       </p:pic>
+      <p:cxnSp>
+        <p:nvCxnSpPr>
+          <p:cNvPr id="4" name="Прямая со стрелкой 3"/>
+          <p:cNvCxnSpPr/>
+          <p:nvPr/>
+        </p:nvCxnSpPr>
+        <p:spPr>
+          <a:xfrm flipH="1" flipV="1">
+            <a:off x="3235545" y="3601587"/>
+            <a:ext cx="754273" cy="518854"/>
+          </a:xfrm>
+          <a:prstGeom prst="straightConnector1">
+            <a:avLst/>
+          </a:prstGeom>
+          <a:ln w="28575">
+            <a:solidFill>
+              <a:srgbClr val="FF0000"/>
+            </a:solidFill>
+            <a:tailEnd type="triangle"/>
+          </a:ln>
+        </p:spPr>
+        <p:style>
+          <a:lnRef idx="1">
+            <a:schemeClr val="accent1"/>
+          </a:lnRef>
+          <a:fillRef idx="0">
+            <a:schemeClr val="accent1"/>
+          </a:fillRef>
+          <a:effectRef idx="0">
+            <a:schemeClr val="accent1"/>
+          </a:effectRef>
+          <a:fontRef idx="minor">
+            <a:schemeClr val="tx1"/>
+          </a:fontRef>
+        </p:style>
+      </p:cxnSp>
+      <p:cxnSp>
+        <p:nvCxnSpPr>
+          <p:cNvPr id="5" name="Прямая со стрелкой 4"/>
+          <p:cNvCxnSpPr/>
+          <p:nvPr/>
+        </p:nvCxnSpPr>
+        <p:spPr>
+          <a:xfrm flipH="1">
+            <a:off x="3162047" y="3203626"/>
+            <a:ext cx="1370859" cy="225298"/>
+          </a:xfrm>
+          <a:prstGeom prst="straightConnector1">
+            <a:avLst/>
+          </a:prstGeom>
+          <a:ln w="28575">
+            <a:solidFill>
+              <a:srgbClr val="FF0000"/>
+            </a:solidFill>
+            <a:tailEnd type="triangle"/>
+          </a:ln>
+        </p:spPr>
+        <p:style>
+          <a:lnRef idx="1">
+            <a:schemeClr val="accent1"/>
+          </a:lnRef>
+          <a:fillRef idx="0">
+            <a:schemeClr val="accent1"/>
+          </a:fillRef>
+          <a:effectRef idx="0">
+            <a:schemeClr val="accent1"/>
+          </a:effectRef>
+          <a:fontRef idx="minor">
+            <a:schemeClr val="tx1"/>
+          </a:fontRef>
+        </p:style>
+      </p:cxnSp>
+      <p:cxnSp>
+        <p:nvCxnSpPr>
+          <p:cNvPr id="6" name="Прямая со стрелкой 5"/>
+          <p:cNvCxnSpPr/>
+          <p:nvPr/>
+        </p:nvCxnSpPr>
+        <p:spPr>
+          <a:xfrm flipH="1">
+            <a:off x="3309339" y="2458778"/>
+            <a:ext cx="810274" cy="764892"/>
+          </a:xfrm>
+          <a:prstGeom prst="straightConnector1">
+            <a:avLst/>
+          </a:prstGeom>
+          <a:ln w="28575">
+            <a:solidFill>
+              <a:srgbClr val="FF0000"/>
+            </a:solidFill>
+            <a:tailEnd type="triangle"/>
+          </a:ln>
+        </p:spPr>
+        <p:style>
+          <a:lnRef idx="1">
+            <a:schemeClr val="accent1"/>
+          </a:lnRef>
+          <a:fillRef idx="0">
+            <a:schemeClr val="accent1"/>
+          </a:fillRef>
+          <a:effectRef idx="0">
+            <a:schemeClr val="accent1"/>
+          </a:effectRef>
+          <a:fontRef idx="minor">
+            <a:schemeClr val="tx1"/>
+          </a:fontRef>
+        </p:style>
+      </p:cxnSp>
+      <p:cxnSp>
+        <p:nvCxnSpPr>
+          <p:cNvPr id="9" name="Прямая со стрелкой 8"/>
+          <p:cNvCxnSpPr/>
+          <p:nvPr/>
+        </p:nvCxnSpPr>
+        <p:spPr>
+          <a:xfrm flipH="1">
+            <a:off x="6257879" y="5274645"/>
+            <a:ext cx="787814" cy="918737"/>
+          </a:xfrm>
+          <a:prstGeom prst="straightConnector1">
+            <a:avLst/>
+          </a:prstGeom>
+          <a:ln w="28575">
+            <a:solidFill>
+              <a:srgbClr val="FF0000"/>
+            </a:solidFill>
+            <a:tailEnd type="triangle"/>
+          </a:ln>
+        </p:spPr>
+        <p:style>
+          <a:lnRef idx="1">
+            <a:schemeClr val="accent1"/>
+          </a:lnRef>
+          <a:fillRef idx="0">
+            <a:schemeClr val="accent1"/>
+          </a:fillRef>
+          <a:effectRef idx="0">
+            <a:schemeClr val="accent1"/>
+          </a:effectRef>
+          <a:fontRef idx="minor">
+            <a:schemeClr val="tx1"/>
+          </a:fontRef>
+        </p:style>
+      </p:cxnSp>
     </p:spTree>
     <p:extLst>
       <p:ext uri="{BB962C8B-B14F-4D97-AF65-F5344CB8AC3E}">
@@ -7126,6 +7614,78 @@
           </a:prstGeom>
         </p:spPr>
       </p:pic>
+      <p:cxnSp>
+        <p:nvCxnSpPr>
+          <p:cNvPr id="5" name="Прямая со стрелкой 4"/>
+          <p:cNvCxnSpPr/>
+          <p:nvPr/>
+        </p:nvCxnSpPr>
+        <p:spPr>
+          <a:xfrm flipH="1">
+            <a:off x="4064528" y="3867513"/>
+            <a:ext cx="728260" cy="560681"/>
+          </a:xfrm>
+          <a:prstGeom prst="straightConnector1">
+            <a:avLst/>
+          </a:prstGeom>
+          <a:ln w="28575">
+            <a:solidFill>
+              <a:srgbClr val="FF0000"/>
+            </a:solidFill>
+            <a:tailEnd type="triangle"/>
+          </a:ln>
+        </p:spPr>
+        <p:style>
+          <a:lnRef idx="1">
+            <a:schemeClr val="accent1"/>
+          </a:lnRef>
+          <a:fillRef idx="0">
+            <a:schemeClr val="accent1"/>
+          </a:fillRef>
+          <a:effectRef idx="0">
+            <a:schemeClr val="accent1"/>
+          </a:effectRef>
+          <a:fontRef idx="minor">
+            <a:schemeClr val="tx1"/>
+          </a:fontRef>
+        </p:style>
+      </p:cxnSp>
+      <p:cxnSp>
+        <p:nvCxnSpPr>
+          <p:cNvPr id="7" name="Прямая со стрелкой 6"/>
+          <p:cNvCxnSpPr/>
+          <p:nvPr/>
+        </p:nvCxnSpPr>
+        <p:spPr>
+          <a:xfrm flipH="1">
+            <a:off x="3957046" y="4267278"/>
+            <a:ext cx="728260" cy="560681"/>
+          </a:xfrm>
+          <a:prstGeom prst="straightConnector1">
+            <a:avLst/>
+          </a:prstGeom>
+          <a:ln w="28575">
+            <a:solidFill>
+              <a:srgbClr val="FF0000"/>
+            </a:solidFill>
+            <a:tailEnd type="triangle"/>
+          </a:ln>
+        </p:spPr>
+        <p:style>
+          <a:lnRef idx="1">
+            <a:schemeClr val="accent1"/>
+          </a:lnRef>
+          <a:fillRef idx="0">
+            <a:schemeClr val="accent1"/>
+          </a:fillRef>
+          <a:effectRef idx="0">
+            <a:schemeClr val="accent1"/>
+          </a:effectRef>
+          <a:fontRef idx="minor">
+            <a:schemeClr val="tx1"/>
+          </a:fontRef>
+        </p:style>
+      </p:cxnSp>
     </p:spTree>
     <p:extLst>
       <p:ext uri="{BB962C8B-B14F-4D97-AF65-F5344CB8AC3E}">
@@ -7342,6 +7902,42 @@
           </a:extLst>
         </p:spPr>
       </p:pic>
+      <p:cxnSp>
+        <p:nvCxnSpPr>
+          <p:cNvPr id="5" name="Прямая со стрелкой 4"/>
+          <p:cNvCxnSpPr/>
+          <p:nvPr/>
+        </p:nvCxnSpPr>
+        <p:spPr>
+          <a:xfrm flipH="1">
+            <a:off x="3438886" y="2774214"/>
+            <a:ext cx="728260" cy="560681"/>
+          </a:xfrm>
+          <a:prstGeom prst="straightConnector1">
+            <a:avLst/>
+          </a:prstGeom>
+          <a:ln w="28575">
+            <a:solidFill>
+              <a:srgbClr val="FF0000"/>
+            </a:solidFill>
+            <a:tailEnd type="triangle"/>
+          </a:ln>
+        </p:spPr>
+        <p:style>
+          <a:lnRef idx="1">
+            <a:schemeClr val="accent1"/>
+          </a:lnRef>
+          <a:fillRef idx="0">
+            <a:schemeClr val="accent1"/>
+          </a:fillRef>
+          <a:effectRef idx="0">
+            <a:schemeClr val="accent1"/>
+          </a:effectRef>
+          <a:fontRef idx="minor">
+            <a:schemeClr val="tx1"/>
+          </a:fontRef>
+        </p:style>
+      </p:cxnSp>
     </p:spTree>
     <p:extLst>
       <p:ext uri="{BB962C8B-B14F-4D97-AF65-F5344CB8AC3E}">
@@ -7412,7 +8008,7 @@
             </a:r>
             <a:r>
               <a:rPr lang="en-US" b="1" dirty="0" smtClean="0"/>
-              <a:t>Rewrite</a:t>
+              <a:t>Breakpoints</a:t>
             </a:r>
             <a:r>
               <a:rPr lang="en-US" dirty="0"/>
@@ -7466,6 +8062,78 @@
           </a:prstGeom>
         </p:spPr>
       </p:pic>
+      <p:cxnSp>
+        <p:nvCxnSpPr>
+          <p:cNvPr id="5" name="Прямая со стрелкой 4"/>
+          <p:cNvCxnSpPr/>
+          <p:nvPr/>
+        </p:nvCxnSpPr>
+        <p:spPr>
+          <a:xfrm flipH="1">
+            <a:off x="1244326" y="1663328"/>
+            <a:ext cx="728260" cy="560681"/>
+          </a:xfrm>
+          <a:prstGeom prst="straightConnector1">
+            <a:avLst/>
+          </a:prstGeom>
+          <a:ln w="28575">
+            <a:solidFill>
+              <a:srgbClr val="FF0000"/>
+            </a:solidFill>
+            <a:tailEnd type="triangle"/>
+          </a:ln>
+        </p:spPr>
+        <p:style>
+          <a:lnRef idx="1">
+            <a:schemeClr val="accent1"/>
+          </a:lnRef>
+          <a:fillRef idx="0">
+            <a:schemeClr val="accent1"/>
+          </a:fillRef>
+          <a:effectRef idx="0">
+            <a:schemeClr val="accent1"/>
+          </a:effectRef>
+          <a:fontRef idx="minor">
+            <a:schemeClr val="tx1"/>
+          </a:fontRef>
+        </p:style>
+      </p:cxnSp>
+      <p:cxnSp>
+        <p:nvCxnSpPr>
+          <p:cNvPr id="6" name="Прямая со стрелкой 5"/>
+          <p:cNvCxnSpPr/>
+          <p:nvPr/>
+        </p:nvCxnSpPr>
+        <p:spPr>
+          <a:xfrm flipH="1">
+            <a:off x="4391787" y="4666410"/>
+            <a:ext cx="728260" cy="560681"/>
+          </a:xfrm>
+          <a:prstGeom prst="straightConnector1">
+            <a:avLst/>
+          </a:prstGeom>
+          <a:ln w="28575">
+            <a:solidFill>
+              <a:srgbClr val="FF0000"/>
+            </a:solidFill>
+            <a:tailEnd type="triangle"/>
+          </a:ln>
+        </p:spPr>
+        <p:style>
+          <a:lnRef idx="1">
+            <a:schemeClr val="accent1"/>
+          </a:lnRef>
+          <a:fillRef idx="0">
+            <a:schemeClr val="accent1"/>
+          </a:fillRef>
+          <a:effectRef idx="0">
+            <a:schemeClr val="accent1"/>
+          </a:effectRef>
+          <a:fontRef idx="minor">
+            <a:schemeClr val="tx1"/>
+          </a:fontRef>
+        </p:style>
+      </p:cxnSp>
     </p:spTree>
     <p:extLst>
       <p:ext uri="{BB962C8B-B14F-4D97-AF65-F5344CB8AC3E}">
@@ -7536,11 +8204,7 @@
             </a:r>
             <a:r>
               <a:rPr lang="ru-RU" sz="2800" dirty="0" smtClean="0"/>
-              <a:t>оформляем </a:t>
-            </a:r>
-            <a:r>
-              <a:rPr lang="ru-RU" sz="2800" dirty="0" smtClean="0"/>
-              <a:t>запрос </a:t>
+              <a:t>оформляем запрос </a:t>
             </a:r>
             <a:r>
               <a:rPr lang="en-US" sz="2800" dirty="0" smtClean="0"/>
@@ -7651,17 +8315,7 @@
                   </a:schemeClr>
                 </a:solidFill>
               </a:rPr>
-              <a:t>Используем</a:t>
-            </a:r>
-            <a:r>
-              <a:rPr lang="ru-RU" sz="2800" dirty="0" smtClean="0">
-                <a:solidFill>
-                  <a:schemeClr val="accent1">
-                    <a:lumMod val="75000"/>
-                  </a:schemeClr>
-                </a:solidFill>
-              </a:rPr>
-              <a:t> </a:t>
+              <a:t>Используем </a:t>
             </a:r>
             <a:r>
               <a:rPr lang="en-US" sz="2800" dirty="0" smtClean="0">
@@ -7727,7 +8381,7 @@
         </p:blipFill>
         <p:spPr>
           <a:xfrm>
-            <a:off x="838200" y="1568917"/>
+            <a:off x="1088457" y="1721317"/>
             <a:ext cx="8248850" cy="4067345"/>
           </a:xfrm>
           <a:prstGeom prst="rect">
@@ -7735,6 +8389,114 @@
           </a:prstGeom>
         </p:spPr>
       </p:pic>
+      <p:cxnSp>
+        <p:nvCxnSpPr>
+          <p:cNvPr id="7" name="Прямая со стрелкой 6"/>
+          <p:cNvCxnSpPr/>
+          <p:nvPr/>
+        </p:nvCxnSpPr>
+        <p:spPr>
+          <a:xfrm flipH="1" flipV="1">
+            <a:off x="1468655" y="3380427"/>
+            <a:ext cx="754273" cy="518854"/>
+          </a:xfrm>
+          <a:prstGeom prst="straightConnector1">
+            <a:avLst/>
+          </a:prstGeom>
+          <a:ln w="28575">
+            <a:solidFill>
+              <a:srgbClr val="FF0000"/>
+            </a:solidFill>
+            <a:tailEnd type="triangle"/>
+          </a:ln>
+        </p:spPr>
+        <p:style>
+          <a:lnRef idx="1">
+            <a:schemeClr val="accent1"/>
+          </a:lnRef>
+          <a:fillRef idx="0">
+            <a:schemeClr val="accent1"/>
+          </a:fillRef>
+          <a:effectRef idx="0">
+            <a:schemeClr val="accent1"/>
+          </a:effectRef>
+          <a:fontRef idx="minor">
+            <a:schemeClr val="tx1"/>
+          </a:fontRef>
+        </p:style>
+      </p:cxnSp>
+      <p:cxnSp>
+        <p:nvCxnSpPr>
+          <p:cNvPr id="8" name="Прямая со стрелкой 7"/>
+          <p:cNvCxnSpPr/>
+          <p:nvPr/>
+        </p:nvCxnSpPr>
+        <p:spPr>
+          <a:xfrm flipH="1" flipV="1">
+            <a:off x="2735031" y="3121000"/>
+            <a:ext cx="754273" cy="518854"/>
+          </a:xfrm>
+          <a:prstGeom prst="straightConnector1">
+            <a:avLst/>
+          </a:prstGeom>
+          <a:ln w="28575">
+            <a:solidFill>
+              <a:srgbClr val="FF0000"/>
+            </a:solidFill>
+            <a:tailEnd type="triangle"/>
+          </a:ln>
+        </p:spPr>
+        <p:style>
+          <a:lnRef idx="1">
+            <a:schemeClr val="accent1"/>
+          </a:lnRef>
+          <a:fillRef idx="0">
+            <a:schemeClr val="accent1"/>
+          </a:fillRef>
+          <a:effectRef idx="0">
+            <a:schemeClr val="accent1"/>
+          </a:effectRef>
+          <a:fontRef idx="minor">
+            <a:schemeClr val="tx1"/>
+          </a:fontRef>
+        </p:style>
+      </p:cxnSp>
+      <p:cxnSp>
+        <p:nvCxnSpPr>
+          <p:cNvPr id="9" name="Прямая со стрелкой 8"/>
+          <p:cNvCxnSpPr/>
+          <p:nvPr/>
+        </p:nvCxnSpPr>
+        <p:spPr>
+          <a:xfrm flipH="1" flipV="1">
+            <a:off x="4835745" y="3360040"/>
+            <a:ext cx="754273" cy="518854"/>
+          </a:xfrm>
+          <a:prstGeom prst="straightConnector1">
+            <a:avLst/>
+          </a:prstGeom>
+          <a:ln w="28575">
+            <a:solidFill>
+              <a:srgbClr val="FF0000"/>
+            </a:solidFill>
+            <a:tailEnd type="triangle"/>
+          </a:ln>
+        </p:spPr>
+        <p:style>
+          <a:lnRef idx="1">
+            <a:schemeClr val="accent1"/>
+          </a:lnRef>
+          <a:fillRef idx="0">
+            <a:schemeClr val="accent1"/>
+          </a:fillRef>
+          <a:effectRef idx="0">
+            <a:schemeClr val="accent1"/>
+          </a:effectRef>
+          <a:fontRef idx="minor">
+            <a:schemeClr val="tx1"/>
+          </a:fontRef>
+        </p:style>
+      </p:cxnSp>
     </p:spTree>
     <p:extLst>
       <p:ext uri="{BB962C8B-B14F-4D97-AF65-F5344CB8AC3E}">
@@ -7948,6 +8710,78 @@
           </a:prstGeom>
         </p:spPr>
       </p:pic>
+      <p:cxnSp>
+        <p:nvCxnSpPr>
+          <p:cNvPr id="4" name="Прямая со стрелкой 3"/>
+          <p:cNvCxnSpPr/>
+          <p:nvPr/>
+        </p:nvCxnSpPr>
+        <p:spPr>
+          <a:xfrm flipH="1">
+            <a:off x="5084806" y="4923923"/>
+            <a:ext cx="728260" cy="560681"/>
+          </a:xfrm>
+          <a:prstGeom prst="straightConnector1">
+            <a:avLst/>
+          </a:prstGeom>
+          <a:ln w="28575">
+            <a:solidFill>
+              <a:srgbClr val="FF0000"/>
+            </a:solidFill>
+            <a:tailEnd type="triangle"/>
+          </a:ln>
+        </p:spPr>
+        <p:style>
+          <a:lnRef idx="1">
+            <a:schemeClr val="accent1"/>
+          </a:lnRef>
+          <a:fillRef idx="0">
+            <a:schemeClr val="accent1"/>
+          </a:fillRef>
+          <a:effectRef idx="0">
+            <a:schemeClr val="accent1"/>
+          </a:effectRef>
+          <a:fontRef idx="minor">
+            <a:schemeClr val="tx1"/>
+          </a:fontRef>
+        </p:style>
+      </p:cxnSp>
+      <p:cxnSp>
+        <p:nvCxnSpPr>
+          <p:cNvPr id="5" name="Прямая со стрелкой 4"/>
+          <p:cNvCxnSpPr/>
+          <p:nvPr/>
+        </p:nvCxnSpPr>
+        <p:spPr>
+          <a:xfrm flipH="1">
+            <a:off x="6021815" y="5484604"/>
+            <a:ext cx="728260" cy="560681"/>
+          </a:xfrm>
+          <a:prstGeom prst="straightConnector1">
+            <a:avLst/>
+          </a:prstGeom>
+          <a:ln w="28575">
+            <a:solidFill>
+              <a:srgbClr val="FF0000"/>
+            </a:solidFill>
+            <a:tailEnd type="triangle"/>
+          </a:ln>
+        </p:spPr>
+        <p:style>
+          <a:lnRef idx="1">
+            <a:schemeClr val="accent1"/>
+          </a:lnRef>
+          <a:fillRef idx="0">
+            <a:schemeClr val="accent1"/>
+          </a:fillRef>
+          <a:effectRef idx="0">
+            <a:schemeClr val="accent1"/>
+          </a:effectRef>
+          <a:fontRef idx="minor">
+            <a:schemeClr val="tx1"/>
+          </a:fontRef>
+        </p:style>
+      </p:cxnSp>
     </p:spTree>
     <p:extLst>
       <p:ext uri="{BB962C8B-B14F-4D97-AF65-F5344CB8AC3E}">
@@ -8043,6 +8877,114 @@
           </a:prstGeom>
         </p:spPr>
       </p:pic>
+      <p:cxnSp>
+        <p:nvCxnSpPr>
+          <p:cNvPr id="4" name="Прямая со стрелкой 3"/>
+          <p:cNvCxnSpPr/>
+          <p:nvPr/>
+        </p:nvCxnSpPr>
+        <p:spPr>
+          <a:xfrm>
+            <a:off x="596766" y="2791327"/>
+            <a:ext cx="801564" cy="895722"/>
+          </a:xfrm>
+          <a:prstGeom prst="straightConnector1">
+            <a:avLst/>
+          </a:prstGeom>
+          <a:ln w="28575">
+            <a:solidFill>
+              <a:srgbClr val="FF0000"/>
+            </a:solidFill>
+            <a:tailEnd type="triangle"/>
+          </a:ln>
+        </p:spPr>
+        <p:style>
+          <a:lnRef idx="1">
+            <a:schemeClr val="accent1"/>
+          </a:lnRef>
+          <a:fillRef idx="0">
+            <a:schemeClr val="accent1"/>
+          </a:fillRef>
+          <a:effectRef idx="0">
+            <a:schemeClr val="accent1"/>
+          </a:effectRef>
+          <a:fontRef idx="minor">
+            <a:schemeClr val="tx1"/>
+          </a:fontRef>
+        </p:style>
+      </p:cxnSp>
+      <p:cxnSp>
+        <p:nvCxnSpPr>
+          <p:cNvPr id="6" name="Прямая со стрелкой 5"/>
+          <p:cNvCxnSpPr/>
+          <p:nvPr/>
+        </p:nvCxnSpPr>
+        <p:spPr>
+          <a:xfrm>
+            <a:off x="596766" y="3030355"/>
+            <a:ext cx="801564" cy="895722"/>
+          </a:xfrm>
+          <a:prstGeom prst="straightConnector1">
+            <a:avLst/>
+          </a:prstGeom>
+          <a:ln w="28575">
+            <a:solidFill>
+              <a:srgbClr val="FF0000"/>
+            </a:solidFill>
+            <a:tailEnd type="triangle"/>
+          </a:ln>
+        </p:spPr>
+        <p:style>
+          <a:lnRef idx="1">
+            <a:schemeClr val="accent1"/>
+          </a:lnRef>
+          <a:fillRef idx="0">
+            <a:schemeClr val="accent1"/>
+          </a:fillRef>
+          <a:effectRef idx="0">
+            <a:schemeClr val="accent1"/>
+          </a:effectRef>
+          <a:fontRef idx="minor">
+            <a:schemeClr val="tx1"/>
+          </a:fontRef>
+        </p:style>
+      </p:cxnSp>
+      <p:cxnSp>
+        <p:nvCxnSpPr>
+          <p:cNvPr id="7" name="Прямая со стрелкой 6"/>
+          <p:cNvCxnSpPr/>
+          <p:nvPr/>
+        </p:nvCxnSpPr>
+        <p:spPr>
+          <a:xfrm>
+            <a:off x="4127633" y="5128662"/>
+            <a:ext cx="801564" cy="895722"/>
+          </a:xfrm>
+          <a:prstGeom prst="straightConnector1">
+            <a:avLst/>
+          </a:prstGeom>
+          <a:ln w="28575">
+            <a:solidFill>
+              <a:srgbClr val="FF0000"/>
+            </a:solidFill>
+            <a:tailEnd type="triangle"/>
+          </a:ln>
+        </p:spPr>
+        <p:style>
+          <a:lnRef idx="1">
+            <a:schemeClr val="accent1"/>
+          </a:lnRef>
+          <a:fillRef idx="0">
+            <a:schemeClr val="accent1"/>
+          </a:fillRef>
+          <a:effectRef idx="0">
+            <a:schemeClr val="accent1"/>
+          </a:effectRef>
+          <a:fontRef idx="minor">
+            <a:schemeClr val="tx1"/>
+          </a:fontRef>
+        </p:style>
+      </p:cxnSp>
     </p:spTree>
     <p:extLst>
       <p:ext uri="{BB962C8B-B14F-4D97-AF65-F5344CB8AC3E}">
@@ -8085,7 +9027,7 @@
         </p:nvSpPr>
         <p:spPr>
           <a:xfrm>
-            <a:off x="677334" y="609600"/>
+            <a:off x="581081" y="176463"/>
             <a:ext cx="8596668" cy="719417"/>
           </a:xfrm>
         </p:spPr>
@@ -8149,14 +9091,50 @@
         </p:blipFill>
         <p:spPr>
           <a:xfrm>
-            <a:off x="750224" y="1598524"/>
-            <a:ext cx="8942415" cy="4750658"/>
+            <a:off x="682848" y="1550398"/>
+            <a:ext cx="8494902" cy="4512917"/>
           </a:xfrm>
           <a:prstGeom prst="rect">
             <a:avLst/>
           </a:prstGeom>
         </p:spPr>
       </p:pic>
+      <p:cxnSp>
+        <p:nvCxnSpPr>
+          <p:cNvPr id="4" name="Прямая со стрелкой 3"/>
+          <p:cNvCxnSpPr/>
+          <p:nvPr/>
+        </p:nvCxnSpPr>
+        <p:spPr>
+          <a:xfrm>
+            <a:off x="5380522" y="4600876"/>
+            <a:ext cx="801564" cy="895722"/>
+          </a:xfrm>
+          <a:prstGeom prst="straightConnector1">
+            <a:avLst/>
+          </a:prstGeom>
+          <a:ln w="28575">
+            <a:solidFill>
+              <a:srgbClr val="FF0000"/>
+            </a:solidFill>
+            <a:tailEnd type="triangle"/>
+          </a:ln>
+        </p:spPr>
+        <p:style>
+          <a:lnRef idx="1">
+            <a:schemeClr val="accent1"/>
+          </a:lnRef>
+          <a:fillRef idx="0">
+            <a:schemeClr val="accent1"/>
+          </a:fillRef>
+          <a:effectRef idx="0">
+            <a:schemeClr val="accent1"/>
+          </a:effectRef>
+          <a:fontRef idx="minor">
+            <a:schemeClr val="tx1"/>
+          </a:fontRef>
+        </p:style>
+      </p:cxnSp>
     </p:spTree>
     <p:extLst>
       <p:ext uri="{BB962C8B-B14F-4D97-AF65-F5344CB8AC3E}">
@@ -8285,6 +9263,78 @@
           </a:prstGeom>
         </p:spPr>
       </p:pic>
+      <p:cxnSp>
+        <p:nvCxnSpPr>
+          <p:cNvPr id="4" name="Прямая со стрелкой 3"/>
+          <p:cNvCxnSpPr/>
+          <p:nvPr/>
+        </p:nvCxnSpPr>
+        <p:spPr>
+          <a:xfrm flipH="1">
+            <a:off x="3535139" y="1684422"/>
+            <a:ext cx="825106" cy="664716"/>
+          </a:xfrm>
+          <a:prstGeom prst="straightConnector1">
+            <a:avLst/>
+          </a:prstGeom>
+          <a:ln w="28575">
+            <a:solidFill>
+              <a:srgbClr val="FF0000"/>
+            </a:solidFill>
+            <a:tailEnd type="triangle"/>
+          </a:ln>
+        </p:spPr>
+        <p:style>
+          <a:lnRef idx="1">
+            <a:schemeClr val="accent1"/>
+          </a:lnRef>
+          <a:fillRef idx="0">
+            <a:schemeClr val="accent1"/>
+          </a:fillRef>
+          <a:effectRef idx="0">
+            <a:schemeClr val="accent1"/>
+          </a:effectRef>
+          <a:fontRef idx="minor">
+            <a:schemeClr val="tx1"/>
+          </a:fontRef>
+        </p:style>
+      </p:cxnSp>
+      <p:cxnSp>
+        <p:nvCxnSpPr>
+          <p:cNvPr id="6" name="Прямая со стрелкой 5"/>
+          <p:cNvCxnSpPr/>
+          <p:nvPr/>
+        </p:nvCxnSpPr>
+        <p:spPr>
+          <a:xfrm flipH="1">
+            <a:off x="3294507" y="4677878"/>
+            <a:ext cx="988735" cy="799470"/>
+          </a:xfrm>
+          <a:prstGeom prst="straightConnector1">
+            <a:avLst/>
+          </a:prstGeom>
+          <a:ln w="28575">
+            <a:solidFill>
+              <a:srgbClr val="FF0000"/>
+            </a:solidFill>
+            <a:tailEnd type="triangle"/>
+          </a:ln>
+        </p:spPr>
+        <p:style>
+          <a:lnRef idx="1">
+            <a:schemeClr val="accent1"/>
+          </a:lnRef>
+          <a:fillRef idx="0">
+            <a:schemeClr val="accent1"/>
+          </a:fillRef>
+          <a:effectRef idx="0">
+            <a:schemeClr val="accent1"/>
+          </a:effectRef>
+          <a:fontRef idx="minor">
+            <a:schemeClr val="tx1"/>
+          </a:fontRef>
+        </p:style>
+      </p:cxnSp>
     </p:spTree>
     <p:extLst>
       <p:ext uri="{BB962C8B-B14F-4D97-AF65-F5344CB8AC3E}">
@@ -8371,8 +9421,36 @@
                   <a:srgbClr val="FF0000"/>
                 </a:solidFill>
               </a:rPr>
-              <a:t>": 70000</a:t>
-            </a:r>
+              <a:t>": </a:t>
+            </a:r>
+            <a:r>
+              <a:rPr lang="ru-RU" sz="2800" dirty="0" smtClean="0">
+                <a:solidFill>
+                  <a:srgbClr val="FF0000"/>
+                </a:solidFill>
+              </a:rPr>
+              <a:t>70000</a:t>
+            </a:r>
+            <a:br>
+              <a:rPr lang="ru-RU" sz="2800" dirty="0" smtClean="0">
+                <a:solidFill>
+                  <a:srgbClr val="FF0000"/>
+                </a:solidFill>
+              </a:rPr>
+            </a:br>
+            <a:r>
+              <a:rPr lang="ru-RU" sz="2800" dirty="0"/>
+              <a:t>- Нажимаем </a:t>
+            </a:r>
+            <a:r>
+              <a:rPr lang="en-US" sz="2800" dirty="0"/>
+              <a:t>Execute</a:t>
+            </a:r>
+            <a:endParaRPr lang="ru-RU" sz="2800" dirty="0">
+              <a:solidFill>
+                <a:srgbClr val="FF0000"/>
+              </a:solidFill>
+            </a:endParaRPr>
           </a:p>
         </p:txBody>
       </p:sp>
@@ -8390,14 +9468,86 @@
         </p:blipFill>
         <p:spPr>
           <a:xfrm>
-            <a:off x="340448" y="913865"/>
-            <a:ext cx="9361815" cy="5024922"/>
+            <a:off x="889089" y="1828265"/>
+            <a:ext cx="8495543" cy="4659163"/>
           </a:xfrm>
           <a:prstGeom prst="rect">
             <a:avLst/>
           </a:prstGeom>
         </p:spPr>
       </p:pic>
+      <p:cxnSp>
+        <p:nvCxnSpPr>
+          <p:cNvPr id="5" name="Прямая со стрелкой 4"/>
+          <p:cNvCxnSpPr/>
+          <p:nvPr/>
+        </p:nvCxnSpPr>
+        <p:spPr>
+          <a:xfrm flipH="1">
+            <a:off x="3256006" y="3070459"/>
+            <a:ext cx="1171615" cy="674342"/>
+          </a:xfrm>
+          <a:prstGeom prst="straightConnector1">
+            <a:avLst/>
+          </a:prstGeom>
+          <a:ln w="28575">
+            <a:solidFill>
+              <a:srgbClr val="FF0000"/>
+            </a:solidFill>
+            <a:tailEnd type="triangle"/>
+          </a:ln>
+        </p:spPr>
+        <p:style>
+          <a:lnRef idx="1">
+            <a:schemeClr val="accent1"/>
+          </a:lnRef>
+          <a:fillRef idx="0">
+            <a:schemeClr val="accent1"/>
+          </a:fillRef>
+          <a:effectRef idx="0">
+            <a:schemeClr val="accent1"/>
+          </a:effectRef>
+          <a:fontRef idx="minor">
+            <a:schemeClr val="tx1"/>
+          </a:fontRef>
+        </p:style>
+      </p:cxnSp>
+      <p:cxnSp>
+        <p:nvCxnSpPr>
+          <p:cNvPr id="6" name="Прямая со стрелкой 5"/>
+          <p:cNvCxnSpPr/>
+          <p:nvPr/>
+        </p:nvCxnSpPr>
+        <p:spPr>
+          <a:xfrm flipH="1">
+            <a:off x="6584743" y="4899259"/>
+            <a:ext cx="509076" cy="1048123"/>
+          </a:xfrm>
+          <a:prstGeom prst="straightConnector1">
+            <a:avLst/>
+          </a:prstGeom>
+          <a:ln w="28575">
+            <a:solidFill>
+              <a:srgbClr val="FF0000"/>
+            </a:solidFill>
+            <a:tailEnd type="triangle"/>
+          </a:ln>
+        </p:spPr>
+        <p:style>
+          <a:lnRef idx="1">
+            <a:schemeClr val="accent1"/>
+          </a:lnRef>
+          <a:fillRef idx="0">
+            <a:schemeClr val="accent1"/>
+          </a:fillRef>
+          <a:effectRef idx="0">
+            <a:schemeClr val="accent1"/>
+          </a:effectRef>
+          <a:fontRef idx="minor">
+            <a:schemeClr val="tx1"/>
+          </a:fontRef>
+        </p:style>
+      </p:cxnSp>
     </p:spTree>
     <p:extLst>
       <p:ext uri="{BB962C8B-B14F-4D97-AF65-F5344CB8AC3E}">
@@ -8471,7 +9621,11 @@
             </a:r>
             <a:r>
               <a:rPr lang="ru-RU" sz="2800" dirty="0" smtClean="0"/>
-              <a:t>Видим подмененный </a:t>
+              <a:t>Видим </a:t>
+            </a:r>
+            <a:r>
+              <a:rPr lang="ru-RU" sz="2800" dirty="0" smtClean="0"/>
+              <a:t>измененный </a:t>
             </a:r>
             <a:r>
               <a:rPr lang="en-US" sz="2800" dirty="0" smtClean="0"/>
@@ -8507,6 +9661,42 @@
           </a:prstGeom>
         </p:spPr>
       </p:pic>
+      <p:cxnSp>
+        <p:nvCxnSpPr>
+          <p:cNvPr id="5" name="Прямая со стрелкой 4"/>
+          <p:cNvCxnSpPr/>
+          <p:nvPr/>
+        </p:nvCxnSpPr>
+        <p:spPr>
+          <a:xfrm flipH="1" flipV="1">
+            <a:off x="4034099" y="5159715"/>
+            <a:ext cx="748103" cy="990829"/>
+          </a:xfrm>
+          <a:prstGeom prst="straightConnector1">
+            <a:avLst/>
+          </a:prstGeom>
+          <a:ln w="28575">
+            <a:solidFill>
+              <a:srgbClr val="FF0000"/>
+            </a:solidFill>
+            <a:tailEnd type="triangle"/>
+          </a:ln>
+        </p:spPr>
+        <p:style>
+          <a:lnRef idx="1">
+            <a:schemeClr val="accent1"/>
+          </a:lnRef>
+          <a:fillRef idx="0">
+            <a:schemeClr val="accent1"/>
+          </a:fillRef>
+          <a:effectRef idx="0">
+            <a:schemeClr val="accent1"/>
+          </a:effectRef>
+          <a:fontRef idx="minor">
+            <a:schemeClr val="tx1"/>
+          </a:fontRef>
+        </p:style>
+      </p:cxnSp>
     </p:spTree>
     <p:extLst>
       <p:ext uri="{BB962C8B-B14F-4D97-AF65-F5344CB8AC3E}">
@@ -8562,15 +9752,7 @@
             <a:pPr algn="ctr"/>
             <a:r>
               <a:rPr lang="ru-RU" sz="5300" dirty="0" smtClean="0"/>
-              <a:t>Мы удачно </a:t>
-            </a:r>
-            <a:r>
-              <a:rPr lang="ru-RU" sz="5300" dirty="0" smtClean="0"/>
-              <a:t>п</a:t>
-            </a:r>
-            <a:r>
-              <a:rPr lang="ru-RU" sz="5300" dirty="0" smtClean="0"/>
-              <a:t>одменили </a:t>
+              <a:t>Мы удачно подменили </a:t>
             </a:r>
             <a:br>
               <a:rPr lang="ru-RU" sz="5300" dirty="0" smtClean="0"/>
@@ -8855,8 +10037,10 @@
       </p:sp>
       <p:pic>
         <p:nvPicPr>
-          <p:cNvPr id="3" name="Рисунок 2"/>
-          <p:cNvPicPr/>
+          <p:cNvPr id="9" name="Рисунок 8"/>
+          <p:cNvPicPr>
+            <a:picLocks noChangeAspect="1"/>
+          </p:cNvPicPr>
           <p:nvPr/>
         </p:nvPicPr>
         <p:blipFill>
@@ -8867,14 +10051,230 @@
         </p:blipFill>
         <p:spPr>
           <a:xfrm>
-            <a:off x="799700" y="2435191"/>
-            <a:ext cx="8007417" cy="4129237"/>
+            <a:off x="770022" y="2270926"/>
+            <a:ext cx="8325852" cy="4423109"/>
           </a:xfrm>
           <a:prstGeom prst="rect">
             <a:avLst/>
           </a:prstGeom>
         </p:spPr>
       </p:pic>
+      <p:cxnSp>
+        <p:nvCxnSpPr>
+          <p:cNvPr id="10" name="Прямая со стрелкой 9"/>
+          <p:cNvCxnSpPr/>
+          <p:nvPr/>
+        </p:nvCxnSpPr>
+        <p:spPr>
+          <a:xfrm flipH="1" flipV="1">
+            <a:off x="2321145" y="4045026"/>
+            <a:ext cx="754273" cy="518854"/>
+          </a:xfrm>
+          <a:prstGeom prst="straightConnector1">
+            <a:avLst/>
+          </a:prstGeom>
+          <a:ln w="28575">
+            <a:solidFill>
+              <a:srgbClr val="FF0000"/>
+            </a:solidFill>
+            <a:tailEnd type="triangle"/>
+          </a:ln>
+        </p:spPr>
+        <p:style>
+          <a:lnRef idx="1">
+            <a:schemeClr val="accent1"/>
+          </a:lnRef>
+          <a:fillRef idx="0">
+            <a:schemeClr val="accent1"/>
+          </a:fillRef>
+          <a:effectRef idx="0">
+            <a:schemeClr val="accent1"/>
+          </a:effectRef>
+          <a:fontRef idx="minor">
+            <a:schemeClr val="tx1"/>
+          </a:fontRef>
+        </p:style>
+      </p:cxnSp>
+      <p:cxnSp>
+        <p:nvCxnSpPr>
+          <p:cNvPr id="11" name="Прямая со стрелкой 10"/>
+          <p:cNvCxnSpPr/>
+          <p:nvPr/>
+        </p:nvCxnSpPr>
+        <p:spPr>
+          <a:xfrm flipH="1" flipV="1">
+            <a:off x="8048176" y="2995872"/>
+            <a:ext cx="754273" cy="518854"/>
+          </a:xfrm>
+          <a:prstGeom prst="straightConnector1">
+            <a:avLst/>
+          </a:prstGeom>
+          <a:ln w="28575">
+            <a:solidFill>
+              <a:srgbClr val="FF0000"/>
+            </a:solidFill>
+            <a:tailEnd type="triangle"/>
+          </a:ln>
+        </p:spPr>
+        <p:style>
+          <a:lnRef idx="1">
+            <a:schemeClr val="accent1"/>
+          </a:lnRef>
+          <a:fillRef idx="0">
+            <a:schemeClr val="accent1"/>
+          </a:fillRef>
+          <a:effectRef idx="0">
+            <a:schemeClr val="accent1"/>
+          </a:effectRef>
+          <a:fontRef idx="minor">
+            <a:schemeClr val="tx1"/>
+          </a:fontRef>
+        </p:style>
+      </p:cxnSp>
+      <p:cxnSp>
+        <p:nvCxnSpPr>
+          <p:cNvPr id="12" name="Прямая со стрелкой 11"/>
+          <p:cNvCxnSpPr/>
+          <p:nvPr/>
+        </p:nvCxnSpPr>
+        <p:spPr>
+          <a:xfrm flipH="1" flipV="1">
+            <a:off x="4765961" y="4851131"/>
+            <a:ext cx="754273" cy="518854"/>
+          </a:xfrm>
+          <a:prstGeom prst="straightConnector1">
+            <a:avLst/>
+          </a:prstGeom>
+          <a:ln w="28575">
+            <a:solidFill>
+              <a:srgbClr val="FF0000"/>
+            </a:solidFill>
+            <a:tailEnd type="triangle"/>
+          </a:ln>
+        </p:spPr>
+        <p:style>
+          <a:lnRef idx="1">
+            <a:schemeClr val="accent1"/>
+          </a:lnRef>
+          <a:fillRef idx="0">
+            <a:schemeClr val="accent1"/>
+          </a:fillRef>
+          <a:effectRef idx="0">
+            <a:schemeClr val="accent1"/>
+          </a:effectRef>
+          <a:fontRef idx="minor">
+            <a:schemeClr val="tx1"/>
+          </a:fontRef>
+        </p:style>
+      </p:cxnSp>
+      <p:cxnSp>
+        <p:nvCxnSpPr>
+          <p:cNvPr id="13" name="Прямая со стрелкой 12"/>
+          <p:cNvCxnSpPr/>
+          <p:nvPr/>
+        </p:nvCxnSpPr>
+        <p:spPr>
+          <a:xfrm flipH="1" flipV="1">
+            <a:off x="5708509" y="4204576"/>
+            <a:ext cx="754273" cy="518854"/>
+          </a:xfrm>
+          <a:prstGeom prst="straightConnector1">
+            <a:avLst/>
+          </a:prstGeom>
+          <a:ln w="28575">
+            <a:solidFill>
+              <a:srgbClr val="FF0000"/>
+            </a:solidFill>
+            <a:tailEnd type="triangle"/>
+          </a:ln>
+        </p:spPr>
+        <p:style>
+          <a:lnRef idx="1">
+            <a:schemeClr val="accent1"/>
+          </a:lnRef>
+          <a:fillRef idx="0">
+            <a:schemeClr val="accent1"/>
+          </a:fillRef>
+          <a:effectRef idx="0">
+            <a:schemeClr val="accent1"/>
+          </a:effectRef>
+          <a:fontRef idx="minor">
+            <a:schemeClr val="tx1"/>
+          </a:fontRef>
+        </p:style>
+      </p:cxnSp>
+      <p:cxnSp>
+        <p:nvCxnSpPr>
+          <p:cNvPr id="14" name="Прямая со стрелкой 13"/>
+          <p:cNvCxnSpPr/>
+          <p:nvPr/>
+        </p:nvCxnSpPr>
+        <p:spPr>
+          <a:xfrm flipH="1" flipV="1">
+            <a:off x="7133776" y="4223053"/>
+            <a:ext cx="754273" cy="518854"/>
+          </a:xfrm>
+          <a:prstGeom prst="straightConnector1">
+            <a:avLst/>
+          </a:prstGeom>
+          <a:ln w="28575">
+            <a:solidFill>
+              <a:srgbClr val="FF0000"/>
+            </a:solidFill>
+            <a:tailEnd type="triangle"/>
+          </a:ln>
+        </p:spPr>
+        <p:style>
+          <a:lnRef idx="1">
+            <a:schemeClr val="accent1"/>
+          </a:lnRef>
+          <a:fillRef idx="0">
+            <a:schemeClr val="accent1"/>
+          </a:fillRef>
+          <a:effectRef idx="0">
+            <a:schemeClr val="accent1"/>
+          </a:effectRef>
+          <a:fontRef idx="minor">
+            <a:schemeClr val="tx1"/>
+          </a:fontRef>
+        </p:style>
+      </p:cxnSp>
+      <p:cxnSp>
+        <p:nvCxnSpPr>
+          <p:cNvPr id="15" name="Прямая со стрелкой 14"/>
+          <p:cNvCxnSpPr/>
+          <p:nvPr/>
+        </p:nvCxnSpPr>
+        <p:spPr>
+          <a:xfrm flipH="1" flipV="1">
+            <a:off x="3746411" y="3685722"/>
+            <a:ext cx="754273" cy="518854"/>
+          </a:xfrm>
+          <a:prstGeom prst="straightConnector1">
+            <a:avLst/>
+          </a:prstGeom>
+          <a:ln w="28575">
+            <a:solidFill>
+              <a:srgbClr val="FF0000"/>
+            </a:solidFill>
+            <a:tailEnd type="triangle"/>
+          </a:ln>
+        </p:spPr>
+        <p:style>
+          <a:lnRef idx="1">
+            <a:schemeClr val="accent1"/>
+          </a:lnRef>
+          <a:fillRef idx="0">
+            <a:schemeClr val="accent1"/>
+          </a:fillRef>
+          <a:effectRef idx="0">
+            <a:schemeClr val="accent1"/>
+          </a:effectRef>
+          <a:fontRef idx="minor">
+            <a:schemeClr val="tx1"/>
+          </a:fontRef>
+        </p:style>
+      </p:cxnSp>
     </p:spTree>
     <p:extLst>
       <p:ext uri="{BB962C8B-B14F-4D97-AF65-F5344CB8AC3E}">
@@ -8990,6 +10390,78 @@
           </a:prstGeom>
         </p:spPr>
       </p:pic>
+      <p:cxnSp>
+        <p:nvCxnSpPr>
+          <p:cNvPr id="5" name="Прямая со стрелкой 4"/>
+          <p:cNvCxnSpPr/>
+          <p:nvPr/>
+        </p:nvCxnSpPr>
+        <p:spPr>
+          <a:xfrm flipV="1">
+            <a:off x="7498080" y="3180380"/>
+            <a:ext cx="386467" cy="457969"/>
+          </a:xfrm>
+          <a:prstGeom prst="straightConnector1">
+            <a:avLst/>
+          </a:prstGeom>
+          <a:ln w="28575">
+            <a:solidFill>
+              <a:srgbClr val="FF0000"/>
+            </a:solidFill>
+            <a:tailEnd type="triangle"/>
+          </a:ln>
+        </p:spPr>
+        <p:style>
+          <a:lnRef idx="1">
+            <a:schemeClr val="accent1"/>
+          </a:lnRef>
+          <a:fillRef idx="0">
+            <a:schemeClr val="accent1"/>
+          </a:fillRef>
+          <a:effectRef idx="0">
+            <a:schemeClr val="accent1"/>
+          </a:effectRef>
+          <a:fontRef idx="minor">
+            <a:schemeClr val="tx1"/>
+          </a:fontRef>
+        </p:style>
+      </p:cxnSp>
+      <p:cxnSp>
+        <p:nvCxnSpPr>
+          <p:cNvPr id="6" name="Прямая со стрелкой 5"/>
+          <p:cNvCxnSpPr/>
+          <p:nvPr/>
+        </p:nvCxnSpPr>
+        <p:spPr>
+          <a:xfrm flipV="1">
+            <a:off x="8499107" y="3804394"/>
+            <a:ext cx="482721" cy="613602"/>
+          </a:xfrm>
+          <a:prstGeom prst="straightConnector1">
+            <a:avLst/>
+          </a:prstGeom>
+          <a:ln w="28575">
+            <a:solidFill>
+              <a:srgbClr val="FF0000"/>
+            </a:solidFill>
+            <a:tailEnd type="triangle"/>
+          </a:ln>
+        </p:spPr>
+        <p:style>
+          <a:lnRef idx="1">
+            <a:schemeClr val="accent1"/>
+          </a:lnRef>
+          <a:fillRef idx="0">
+            <a:schemeClr val="accent1"/>
+          </a:fillRef>
+          <a:effectRef idx="0">
+            <a:schemeClr val="accent1"/>
+          </a:effectRef>
+          <a:fontRef idx="minor">
+            <a:schemeClr val="tx1"/>
+          </a:fontRef>
+        </p:style>
+      </p:cxnSp>
     </p:spTree>
     <p:extLst>
       <p:ext uri="{BB962C8B-B14F-4D97-AF65-F5344CB8AC3E}">
@@ -9076,6 +10548,42 @@
           </a:prstGeom>
         </p:spPr>
       </p:pic>
+      <p:cxnSp>
+        <p:nvCxnSpPr>
+          <p:cNvPr id="5" name="Прямая со стрелкой 4"/>
+          <p:cNvCxnSpPr/>
+          <p:nvPr/>
+        </p:nvCxnSpPr>
+        <p:spPr>
+          <a:xfrm flipH="1" flipV="1">
+            <a:off x="5738114" y="4728420"/>
+            <a:ext cx="754273" cy="518854"/>
+          </a:xfrm>
+          <a:prstGeom prst="straightConnector1">
+            <a:avLst/>
+          </a:prstGeom>
+          <a:ln w="28575">
+            <a:solidFill>
+              <a:srgbClr val="FF0000"/>
+            </a:solidFill>
+            <a:tailEnd type="triangle"/>
+          </a:ln>
+        </p:spPr>
+        <p:style>
+          <a:lnRef idx="1">
+            <a:schemeClr val="accent1"/>
+          </a:lnRef>
+          <a:fillRef idx="0">
+            <a:schemeClr val="accent1"/>
+          </a:fillRef>
+          <a:effectRef idx="0">
+            <a:schemeClr val="accent1"/>
+          </a:effectRef>
+          <a:fontRef idx="minor">
+            <a:schemeClr val="tx1"/>
+          </a:fontRef>
+        </p:style>
+      </p:cxnSp>
     </p:spTree>
     <p:extLst>
       <p:ext uri="{BB962C8B-B14F-4D97-AF65-F5344CB8AC3E}">
@@ -9299,6 +10807,42 @@
           </a:prstGeom>
         </p:spPr>
       </p:pic>
+      <p:cxnSp>
+        <p:nvCxnSpPr>
+          <p:cNvPr id="4" name="Прямая со стрелкой 3"/>
+          <p:cNvCxnSpPr/>
+          <p:nvPr/>
+        </p:nvCxnSpPr>
+        <p:spPr>
+          <a:xfrm flipH="1" flipV="1">
+            <a:off x="1348994" y="2620487"/>
+            <a:ext cx="754273" cy="518854"/>
+          </a:xfrm>
+          <a:prstGeom prst="straightConnector1">
+            <a:avLst/>
+          </a:prstGeom>
+          <a:ln w="28575">
+            <a:solidFill>
+              <a:srgbClr val="FF0000"/>
+            </a:solidFill>
+            <a:tailEnd type="triangle"/>
+          </a:ln>
+        </p:spPr>
+        <p:style>
+          <a:lnRef idx="1">
+            <a:schemeClr val="accent1"/>
+          </a:lnRef>
+          <a:fillRef idx="0">
+            <a:schemeClr val="accent1"/>
+          </a:fillRef>
+          <a:effectRef idx="0">
+            <a:schemeClr val="accent1"/>
+          </a:effectRef>
+          <a:fontRef idx="minor">
+            <a:schemeClr val="tx1"/>
+          </a:fontRef>
+        </p:style>
+      </p:cxnSp>
     </p:spTree>
     <p:extLst>
       <p:ext uri="{BB962C8B-B14F-4D97-AF65-F5344CB8AC3E}">
@@ -9391,8 +10935,12 @@
               <a:t>метод </a:t>
             </a:r>
             <a:r>
+              <a:rPr lang="en-US" b="1" dirty="0" smtClean="0"/>
+              <a:t>Post</a:t>
+            </a:r>
+            <a:r>
               <a:rPr lang="en-US" b="1" dirty="0"/>
-              <a:t>Get</a:t>
+              <a:t/>
             </a:r>
             <a:br>
               <a:rPr lang="en-US" b="1" dirty="0"/>
@@ -9434,6 +10982,114 @@
           </a:prstGeom>
         </p:spPr>
       </p:pic>
+      <p:cxnSp>
+        <p:nvCxnSpPr>
+          <p:cNvPr id="4" name="Прямая со стрелкой 3"/>
+          <p:cNvCxnSpPr/>
+          <p:nvPr/>
+        </p:nvCxnSpPr>
+        <p:spPr>
+          <a:xfrm flipH="1" flipV="1">
+            <a:off x="4271272" y="2889994"/>
+            <a:ext cx="754273" cy="518854"/>
+          </a:xfrm>
+          <a:prstGeom prst="straightConnector1">
+            <a:avLst/>
+          </a:prstGeom>
+          <a:ln w="28575">
+            <a:solidFill>
+              <a:srgbClr val="FF0000"/>
+            </a:solidFill>
+            <a:tailEnd type="triangle"/>
+          </a:ln>
+        </p:spPr>
+        <p:style>
+          <a:lnRef idx="1">
+            <a:schemeClr val="accent1"/>
+          </a:lnRef>
+          <a:fillRef idx="0">
+            <a:schemeClr val="accent1"/>
+          </a:fillRef>
+          <a:effectRef idx="0">
+            <a:schemeClr val="accent1"/>
+          </a:effectRef>
+          <a:fontRef idx="minor">
+            <a:schemeClr val="tx1"/>
+          </a:fontRef>
+        </p:style>
+      </p:cxnSp>
+      <p:cxnSp>
+        <p:nvCxnSpPr>
+          <p:cNvPr id="5" name="Прямая со стрелкой 4"/>
+          <p:cNvCxnSpPr/>
+          <p:nvPr/>
+        </p:nvCxnSpPr>
+        <p:spPr>
+          <a:xfrm flipH="1" flipV="1">
+            <a:off x="3976690" y="3122467"/>
+            <a:ext cx="754273" cy="518854"/>
+          </a:xfrm>
+          <a:prstGeom prst="straightConnector1">
+            <a:avLst/>
+          </a:prstGeom>
+          <a:ln w="28575">
+            <a:solidFill>
+              <a:srgbClr val="FF0000"/>
+            </a:solidFill>
+            <a:tailEnd type="triangle"/>
+          </a:ln>
+        </p:spPr>
+        <p:style>
+          <a:lnRef idx="1">
+            <a:schemeClr val="accent1"/>
+          </a:lnRef>
+          <a:fillRef idx="0">
+            <a:schemeClr val="accent1"/>
+          </a:fillRef>
+          <a:effectRef idx="0">
+            <a:schemeClr val="accent1"/>
+          </a:effectRef>
+          <a:fontRef idx="minor">
+            <a:schemeClr val="tx1"/>
+          </a:fontRef>
+        </p:style>
+      </p:cxnSp>
+      <p:cxnSp>
+        <p:nvCxnSpPr>
+          <p:cNvPr id="6" name="Прямая со стрелкой 5"/>
+          <p:cNvCxnSpPr/>
+          <p:nvPr/>
+        </p:nvCxnSpPr>
+        <p:spPr>
+          <a:xfrm flipH="1" flipV="1">
+            <a:off x="3894135" y="4564770"/>
+            <a:ext cx="754273" cy="518854"/>
+          </a:xfrm>
+          <a:prstGeom prst="straightConnector1">
+            <a:avLst/>
+          </a:prstGeom>
+          <a:ln w="28575">
+            <a:solidFill>
+              <a:srgbClr val="FF0000"/>
+            </a:solidFill>
+            <a:tailEnd type="triangle"/>
+          </a:ln>
+        </p:spPr>
+        <p:style>
+          <a:lnRef idx="1">
+            <a:schemeClr val="accent1"/>
+          </a:lnRef>
+          <a:fillRef idx="0">
+            <a:schemeClr val="accent1"/>
+          </a:fillRef>
+          <a:effectRef idx="0">
+            <a:schemeClr val="accent1"/>
+          </a:effectRef>
+          <a:fontRef idx="minor">
+            <a:schemeClr val="tx1"/>
+          </a:fontRef>
+        </p:style>
+      </p:cxnSp>
     </p:spTree>
     <p:extLst>
       <p:ext uri="{BB962C8B-B14F-4D97-AF65-F5344CB8AC3E}">
@@ -9780,46 +11436,42 @@
           </a:prstGeom>
         </p:spPr>
       </p:pic>
-      <p:sp>
-        <p:nvSpPr>
-          <p:cNvPr id="9" name="Стрелка вниз 8"/>
-          <p:cNvSpPr/>
+      <p:cxnSp>
+        <p:nvCxnSpPr>
+          <p:cNvPr id="10" name="Прямая со стрелкой 9"/>
+          <p:cNvCxnSpPr/>
           <p:nvPr/>
-        </p:nvSpPr>
-        <p:spPr>
-          <a:xfrm flipV="1">
-            <a:off x="1559291" y="2842660"/>
-            <a:ext cx="394636" cy="1838425"/>
-          </a:xfrm>
-          <a:prstGeom prst="downArrow">
+        </p:nvCxnSpPr>
+        <p:spPr>
+          <a:xfrm flipH="1" flipV="1">
+            <a:off x="1859133" y="2689880"/>
+            <a:ext cx="364303" cy="1054347"/>
+          </a:xfrm>
+          <a:prstGeom prst="straightConnector1">
             <a:avLst/>
           </a:prstGeom>
+          <a:ln w="28575">
+            <a:solidFill>
+              <a:srgbClr val="FF0000"/>
+            </a:solidFill>
+            <a:tailEnd type="triangle"/>
+          </a:ln>
         </p:spPr>
         <p:style>
-          <a:lnRef idx="2">
-            <a:schemeClr val="accent1">
-              <a:shade val="50000"/>
-            </a:schemeClr>
+          <a:lnRef idx="1">
+            <a:schemeClr val="accent1"/>
           </a:lnRef>
-          <a:fillRef idx="1">
+          <a:fillRef idx="0">
             <a:schemeClr val="accent1"/>
           </a:fillRef>
           <a:effectRef idx="0">
             <a:schemeClr val="accent1"/>
           </a:effectRef>
           <a:fontRef idx="minor">
-            <a:schemeClr val="lt1"/>
+            <a:schemeClr val="tx1"/>
           </a:fontRef>
         </p:style>
-        <p:txBody>
-          <a:bodyPr rtlCol="0" anchor="ctr"/>
-          <a:lstStyle/>
-          <a:p>
-            <a:pPr algn="ctr"/>
-            <a:endParaRPr lang="ru-RU"/>
-          </a:p>
-        </p:txBody>
-      </p:sp>
+      </p:cxnSp>
     </p:spTree>
     <p:extLst>
       <p:ext uri="{BB962C8B-B14F-4D97-AF65-F5344CB8AC3E}">
